--- a/multimedia/nibSV_presentation.pptx
+++ b/multimedia/nibSV_presentation.pptx
@@ -8,6 +8,12 @@
     <p:sldId id="256" r:id="rId2"/>
     <p:sldId id="257" r:id="rId3"/>
     <p:sldId id="258" r:id="rId4"/>
+    <p:sldId id="259" r:id="rId5"/>
+    <p:sldId id="260" r:id="rId6"/>
+    <p:sldId id="261" r:id="rId7"/>
+    <p:sldId id="262" r:id="rId8"/>
+    <p:sldId id="263" r:id="rId9"/>
+    <p:sldId id="264" r:id="rId10"/>
   </p:sldIdLst>
   <p:sldSz cx="12192000" cy="6858000"/>
   <p:notesSz cx="6858000" cy="9144000"/>
@@ -106,6 +112,11 @@
       </a:defRPr>
     </a:lvl9pPr>
   </p:defaultTextStyle>
+  <p:extLst>
+    <p:ext uri="{EFAFB233-063F-42B5-8137-9DF3F51BA10A}">
+      <p15:sldGuideLst xmlns:p15="http://schemas.microsoft.com/office/powerpoint/2012/main"/>
+    </p:ext>
+  </p:extLst>
 </p:presentation>
 </file>
 
@@ -444,7 +455,7 @@
           <a:p>
             <a:fld id="{23FEA57E-7C1A-457B-A4CD-5DCEB057B502}" type="datetime1">
               <a:rPr lang="en-US" smtClean="0"/>
-              <a:t>10/12/20</a:t>
+              <a:t>10/14/20</a:t>
             </a:fld>
             <a:endParaRPr lang="en-US" dirty="0"/>
           </a:p>
@@ -1536,7 +1547,7 @@
           <a:p>
             <a:fld id="{D3FE42E8-8B57-452D-A122-4DCE9AC771EF}" type="datetime1">
               <a:rPr lang="en-US" smtClean="0"/>
-              <a:t>10/12/20</a:t>
+              <a:t>10/14/20</a:t>
             </a:fld>
             <a:endParaRPr lang="en-US"/>
           </a:p>
@@ -2522,7 +2533,7 @@
           <a:p>
             <a:fld id="{D3FE42E8-8B57-452D-A122-4DCE9AC771EF}" type="datetime1">
               <a:rPr lang="en-US" smtClean="0"/>
-              <a:t>10/12/20</a:t>
+              <a:t>10/14/20</a:t>
             </a:fld>
             <a:endParaRPr lang="en-US"/>
           </a:p>
@@ -3662,7 +3673,7 @@
           <a:p>
             <a:fld id="{D3FE42E8-8B57-452D-A122-4DCE9AC771EF}" type="datetime1">
               <a:rPr lang="en-US" smtClean="0"/>
-              <a:t>10/12/20</a:t>
+              <a:t>10/14/20</a:t>
             </a:fld>
             <a:endParaRPr lang="en-US"/>
           </a:p>
@@ -4701,7 +4712,7 @@
           <a:p>
             <a:fld id="{D3FE42E8-8B57-452D-A122-4DCE9AC771EF}" type="datetime1">
               <a:rPr lang="en-US" smtClean="0"/>
-              <a:t>10/12/20</a:t>
+              <a:t>10/14/20</a:t>
             </a:fld>
             <a:endParaRPr lang="en-US"/>
           </a:p>
@@ -5367,7 +5378,7 @@
           <a:p>
             <a:fld id="{D3FE42E8-8B57-452D-A122-4DCE9AC771EF}" type="datetime1">
               <a:rPr lang="en-US" smtClean="0"/>
-              <a:t>10/12/20</a:t>
+              <a:t>10/14/20</a:t>
             </a:fld>
             <a:endParaRPr lang="en-US"/>
           </a:p>
@@ -6234,7 +6245,7 @@
           <a:p>
             <a:fld id="{D3FE42E8-8B57-452D-A122-4DCE9AC771EF}" type="datetime1">
               <a:rPr lang="en-US" smtClean="0"/>
-              <a:t>10/12/20</a:t>
+              <a:t>10/14/20</a:t>
             </a:fld>
             <a:endParaRPr lang="en-US"/>
           </a:p>
@@ -6430,7 +6441,7 @@
           <a:p>
             <a:fld id="{11789749-A4CD-447F-8298-2B7988C91CEA}" type="datetime1">
               <a:rPr lang="en-US" smtClean="0"/>
-              <a:t>10/12/20</a:t>
+              <a:t>10/14/20</a:t>
             </a:fld>
             <a:endParaRPr lang="en-US"/>
           </a:p>
@@ -7406,7 +7417,7 @@
           <a:p>
             <a:fld id="{BA0444D3-C0BA-4587-A56C-581AB9F841BE}" type="datetime1">
               <a:rPr lang="en-US" smtClean="0"/>
-              <a:t>10/12/20</a:t>
+              <a:t>10/14/20</a:t>
             </a:fld>
             <a:endParaRPr lang="en-US"/>
           </a:p>
@@ -7620,7 +7631,7 @@
           <a:p>
             <a:fld id="{201AF2CE-4F37-411C-A3EE-BBBE223265BF}" type="datetime1">
               <a:rPr lang="en-US" smtClean="0"/>
-              <a:t>10/12/20</a:t>
+              <a:t>10/14/20</a:t>
             </a:fld>
             <a:endParaRPr lang="en-US"/>
           </a:p>
@@ -8657,7 +8668,7 @@
           <a:p>
             <a:fld id="{C96083D4-708C-4BB5-B4FD-30CE9FA12FD5}" type="datetime1">
               <a:rPr lang="en-US" smtClean="0"/>
-              <a:t>10/12/20</a:t>
+              <a:t>10/14/20</a:t>
             </a:fld>
             <a:endParaRPr lang="en-US"/>
           </a:p>
@@ -8933,7 +8944,7 @@
           <a:p>
             <a:fld id="{D0D239B2-65BC-4C2A-A62B-3EABFE9590E4}" type="datetime1">
               <a:rPr lang="en-US" smtClean="0"/>
-              <a:t>10/12/20</a:t>
+              <a:t>10/14/20</a:t>
             </a:fld>
             <a:endParaRPr lang="en-US"/>
           </a:p>
@@ -9346,7 +9357,7 @@
           <a:p>
             <a:fld id="{85E05F5A-E4A3-476F-A89E-C2B73F2431E4}" type="datetime1">
               <a:rPr lang="en-US" smtClean="0"/>
-              <a:t>10/12/20</a:t>
+              <a:t>10/14/20</a:t>
             </a:fld>
             <a:endParaRPr lang="en-US"/>
           </a:p>
@@ -9476,7 +9487,7 @@
           <a:p>
             <a:fld id="{E3761515-4A26-4F31-9F61-5A10B1FABBFC}" type="datetime1">
               <a:rPr lang="en-US" smtClean="0"/>
-              <a:t>10/12/20</a:t>
+              <a:t>10/14/20</a:t>
             </a:fld>
             <a:endParaRPr lang="en-US"/>
           </a:p>
@@ -9574,7 +9585,7 @@
           <a:p>
             <a:fld id="{4A75DC65-7D1F-4BAB-9695-F7E734143E14}" type="datetime1">
               <a:rPr lang="en-US" smtClean="0"/>
-              <a:t>10/12/20</a:t>
+              <a:t>10/14/20</a:t>
             </a:fld>
             <a:endParaRPr lang="en-US"/>
           </a:p>
@@ -10658,7 +10669,7 @@
           <a:p>
             <a:fld id="{7E624077-BD55-4036-8E92-6558FDF3B653}" type="datetime1">
               <a:rPr lang="en-US" smtClean="0"/>
-              <a:t>10/12/20</a:t>
+              <a:t>10/14/20</a:t>
             </a:fld>
             <a:endParaRPr lang="en-US"/>
           </a:p>
@@ -11769,7 +11780,7 @@
           <a:p>
             <a:fld id="{D3FE42E8-8B57-452D-A122-4DCE9AC771EF}" type="datetime1">
               <a:rPr lang="en-US" smtClean="0"/>
-              <a:t>10/12/20</a:t>
+              <a:t>10/14/20</a:t>
             </a:fld>
             <a:endParaRPr lang="en-US"/>
           </a:p>
@@ -12772,7 +12783,7 @@
           <a:p>
             <a:fld id="{D3FE42E8-8B57-452D-A122-4DCE9AC771EF}" type="datetime1">
               <a:rPr lang="en-US" smtClean="0"/>
-              <a:t>10/12/20</a:t>
+              <a:t>10/14/20</a:t>
             </a:fld>
             <a:endParaRPr lang="en-US"/>
           </a:p>
@@ -13630,7 +13641,7 @@
           <a:p>
             <a:r>
               <a:rPr lang="en-US" dirty="0"/>
-              <a:t>Group 1 : Fritz, Eric, Chris, Zev, Peter, Samantha, Brent </a:t>
+              <a:t>Group 1 : Fritz, Eric, Chris, Zev, Peter, Brent </a:t>
             </a:r>
           </a:p>
         </p:txBody>
@@ -13879,7 +13890,7 @@
         <p:spPr>
           <a:xfrm>
             <a:off x="6114402" y="5737130"/>
-            <a:ext cx="2751074" cy="338554"/>
+            <a:ext cx="2353529" cy="338554"/>
           </a:xfrm>
           <a:prstGeom prst="rect">
             <a:avLst/>
@@ -13894,7 +13905,7 @@
           <a:p>
             <a:r>
               <a:rPr lang="en-US" sz="1600" dirty="0"/>
-              <a:t>Credit: professor </a:t>
+              <a:t>Credit: Mark </a:t>
             </a:r>
             <a:r>
               <a:rPr lang="en-US" sz="1600" dirty="0" err="1"/>
@@ -14085,8 +14096,8 @@
         </p:blipFill>
         <p:spPr>
           <a:xfrm>
-            <a:off x="6138834" y="1905676"/>
-            <a:ext cx="5347014" cy="4254500"/>
+            <a:off x="5856001" y="1680632"/>
+            <a:ext cx="5629847" cy="4479544"/>
           </a:xfrm>
           <a:prstGeom prst="rect">
             <a:avLst/>
@@ -14097,6 +14108,1572 @@
     <p:extLst>
       <p:ext uri="{BB962C8B-B14F-4D97-AF65-F5344CB8AC3E}">
         <p14:creationId xmlns:p14="http://schemas.microsoft.com/office/powerpoint/2010/main" val="2352038542"/>
+      </p:ext>
+    </p:extLst>
+  </p:cSld>
+  <p:clrMapOvr>
+    <a:masterClrMapping/>
+  </p:clrMapOvr>
+</p:sld>
+</file>
+
+<file path=ppt/slides/slide4.xml><?xml version="1.0" encoding="utf-8"?>
+<p:sld xmlns:a="http://schemas.openxmlformats.org/drawingml/2006/main" xmlns:r="http://schemas.openxmlformats.org/officeDocument/2006/relationships" xmlns:p="http://schemas.openxmlformats.org/presentationml/2006/main">
+  <p:cSld>
+    <p:spTree>
+      <p:nvGrpSpPr>
+        <p:cNvPr id="1" name=""/>
+        <p:cNvGrpSpPr/>
+        <p:nvPr/>
+      </p:nvGrpSpPr>
+      <p:grpSpPr>
+        <a:xfrm>
+          <a:off x="0" y="0"/>
+          <a:ext cx="0" cy="0"/>
+          <a:chOff x="0" y="0"/>
+          <a:chExt cx="0" cy="0"/>
+        </a:xfrm>
+      </p:grpSpPr>
+      <p:pic>
+        <p:nvPicPr>
+          <p:cNvPr id="31" name="Picture 1">
+            <a:extLst>
+              <a:ext uri="{FF2B5EF4-FFF2-40B4-BE49-F238E27FC236}">
+                <a16:creationId xmlns:a16="http://schemas.microsoft.com/office/drawing/2014/main" id="{16710ADF-F223-4AD0-94D6-6E8EFFBB661F}"/>
+              </a:ext>
+            </a:extLst>
+          </p:cNvPr>
+          <p:cNvPicPr>
+            <a:picLocks noChangeAspect="1"/>
+          </p:cNvPicPr>
+          <p:nvPr/>
+        </p:nvPicPr>
+        <p:blipFill rotWithShape="1">
+          <a:blip r:embed="rId2">
+            <a:duotone>
+              <a:prstClr val="black"/>
+              <a:schemeClr val="accent5">
+                <a:tint val="45000"/>
+                <a:satMod val="400000"/>
+              </a:schemeClr>
+            </a:duotone>
+            <a:alphaModFix amt="25000"/>
+          </a:blip>
+          <a:srcRect l="2665" t="27652" r="5453" b="-1"/>
+          <a:stretch/>
+        </p:blipFill>
+        <p:spPr>
+          <a:xfrm>
+            <a:off x="474133" y="475488"/>
+            <a:ext cx="11243734" cy="5909733"/>
+          </a:xfrm>
+          <a:prstGeom prst="rect">
+            <a:avLst/>
+          </a:prstGeom>
+        </p:spPr>
+      </p:pic>
+      <p:sp>
+        <p:nvSpPr>
+          <p:cNvPr id="7" name="Title 6">
+            <a:extLst>
+              <a:ext uri="{FF2B5EF4-FFF2-40B4-BE49-F238E27FC236}">
+                <a16:creationId xmlns:a16="http://schemas.microsoft.com/office/drawing/2014/main" id="{9993EC95-4405-B945-AE37-CE29CEDA792D}"/>
+              </a:ext>
+            </a:extLst>
+          </p:cNvPr>
+          <p:cNvSpPr>
+            <a:spLocks noGrp="1"/>
+          </p:cNvSpPr>
+          <p:nvPr>
+            <p:ph type="title"/>
+          </p:nvPr>
+        </p:nvSpPr>
+        <p:spPr/>
+        <p:txBody>
+          <a:bodyPr/>
+          <a:lstStyle/>
+          <a:p>
+            <a:r>
+              <a:rPr lang="en-US" dirty="0" err="1"/>
+              <a:t>NibSV</a:t>
+            </a:r>
+            <a:r>
+              <a:rPr lang="en-US" dirty="0"/>
+              <a:t> – A single tool </a:t>
+            </a:r>
+          </a:p>
+        </p:txBody>
+      </p:sp>
+      <p:sp>
+        <p:nvSpPr>
+          <p:cNvPr id="9" name="Content Placeholder 8">
+            <a:extLst>
+              <a:ext uri="{FF2B5EF4-FFF2-40B4-BE49-F238E27FC236}">
+                <a16:creationId xmlns:a16="http://schemas.microsoft.com/office/drawing/2014/main" id="{E9A84E08-9BA7-C14D-BC01-82939D8688FC}"/>
+              </a:ext>
+            </a:extLst>
+          </p:cNvPr>
+          <p:cNvSpPr>
+            <a:spLocks noGrp="1"/>
+          </p:cNvSpPr>
+          <p:nvPr>
+            <p:ph idx="1"/>
+          </p:nvPr>
+        </p:nvSpPr>
+        <p:spPr>
+          <a:xfrm>
+            <a:off x="1154954" y="2383948"/>
+            <a:ext cx="4751860" cy="3416300"/>
+          </a:xfrm>
+        </p:spPr>
+        <p:txBody>
+          <a:bodyPr/>
+          <a:lstStyle/>
+          <a:p>
+            <a:r>
+              <a:rPr lang="en-US" dirty="0"/>
+              <a:t>Written in NIM</a:t>
+            </a:r>
+          </a:p>
+          <a:p>
+            <a:r>
+              <a:rPr lang="en-US" dirty="0"/>
+              <a:t>Trivial Install</a:t>
+            </a:r>
+          </a:p>
+          <a:p>
+            <a:r>
+              <a:rPr lang="en-US" dirty="0"/>
+              <a:t>SV kmer database can be shipped to others for genotyping</a:t>
+            </a:r>
+          </a:p>
+          <a:p>
+            <a:r>
+              <a:rPr lang="en-US" dirty="0"/>
+              <a:t>1,334 lines of code in three days</a:t>
+            </a:r>
+          </a:p>
+          <a:p>
+            <a:pPr marL="0" indent="0">
+              <a:buNone/>
+            </a:pPr>
+            <a:br>
+              <a:rPr lang="en-US" dirty="0"/>
+            </a:br>
+            <a:endParaRPr lang="en-US" dirty="0"/>
+          </a:p>
+        </p:txBody>
+      </p:sp>
+      <p:pic>
+        <p:nvPicPr>
+          <p:cNvPr id="4" name="Picture 3" descr="A picture containing icon&#10;&#10;Description automatically generated">
+            <a:extLst>
+              <a:ext uri="{FF2B5EF4-FFF2-40B4-BE49-F238E27FC236}">
+                <a16:creationId xmlns:a16="http://schemas.microsoft.com/office/drawing/2014/main" id="{9D6DCD56-72E3-9C4A-919E-B2585D8EDC21}"/>
+              </a:ext>
+            </a:extLst>
+          </p:cNvPr>
+          <p:cNvPicPr>
+            <a:picLocks noChangeAspect="1"/>
+          </p:cNvPicPr>
+          <p:nvPr/>
+        </p:nvPicPr>
+        <p:blipFill>
+          <a:blip r:embed="rId3"/>
+          <a:stretch>
+            <a:fillRect/>
+          </a:stretch>
+        </p:blipFill>
+        <p:spPr>
+          <a:xfrm>
+            <a:off x="7389340" y="2071796"/>
+            <a:ext cx="4178643" cy="4136177"/>
+          </a:xfrm>
+          <a:prstGeom prst="rect">
+            <a:avLst/>
+          </a:prstGeom>
+        </p:spPr>
+      </p:pic>
+      <p:graphicFrame>
+        <p:nvGraphicFramePr>
+          <p:cNvPr id="5" name="Table 5">
+            <a:extLst>
+              <a:ext uri="{FF2B5EF4-FFF2-40B4-BE49-F238E27FC236}">
+                <a16:creationId xmlns:a16="http://schemas.microsoft.com/office/drawing/2014/main" id="{B3FB5855-B823-1C43-BE2C-0B1722A5B32F}"/>
+              </a:ext>
+            </a:extLst>
+          </p:cNvPr>
+          <p:cNvGraphicFramePr>
+            <a:graphicFrameLocks noGrp="1"/>
+          </p:cNvGraphicFramePr>
+          <p:nvPr>
+            <p:extLst>
+              <p:ext uri="{D42A27DB-BD31-4B8C-83A1-F6EECF244321}">
+                <p14:modId xmlns:p14="http://schemas.microsoft.com/office/powerpoint/2010/main" val="3502887478"/>
+              </p:ext>
+            </p:extLst>
+          </p:nvPr>
+        </p:nvGraphicFramePr>
+        <p:xfrm>
+          <a:off x="1154954" y="5351055"/>
+          <a:ext cx="5418666" cy="741680"/>
+        </p:xfrm>
+        <a:graphic>
+          <a:graphicData uri="http://schemas.openxmlformats.org/drawingml/2006/table">
+            <a:tbl>
+              <a:tblPr firstRow="1" bandRow="1">
+                <a:tableStyleId>{5C22544A-7EE6-4342-B048-85BDC9FD1C3A}</a:tableStyleId>
+              </a:tblPr>
+              <a:tblGrid>
+                <a:gridCol w="2709333">
+                  <a:extLst>
+                    <a:ext uri="{9D8B030D-6E8A-4147-A177-3AD203B41FA5}">
+                      <a16:colId xmlns:a16="http://schemas.microsoft.com/office/drawing/2014/main" val="4117855474"/>
+                    </a:ext>
+                  </a:extLst>
+                </a:gridCol>
+                <a:gridCol w="2709333">
+                  <a:extLst>
+                    <a:ext uri="{9D8B030D-6E8A-4147-A177-3AD203B41FA5}">
+                      <a16:colId xmlns:a16="http://schemas.microsoft.com/office/drawing/2014/main" val="1499570409"/>
+                    </a:ext>
+                  </a:extLst>
+                </a:gridCol>
+              </a:tblGrid>
+              <a:tr h="370840">
+                <a:tc>
+                  <a:txBody>
+                    <a:bodyPr/>
+                    <a:lstStyle/>
+                    <a:p>
+                      <a:r>
+                        <a:rPr lang="en-US" dirty="0"/>
+                        <a:t>Build ref + type</a:t>
+                      </a:r>
+                    </a:p>
+                  </a:txBody>
+                  <a:tcPr/>
+                </a:tc>
+                <a:tc>
+                  <a:txBody>
+                    <a:bodyPr/>
+                    <a:lstStyle/>
+                    <a:p>
+                      <a:r>
+                        <a:rPr lang="en-US" dirty="0"/>
+                        <a:t>Type </a:t>
+                      </a:r>
+                    </a:p>
+                  </a:txBody>
+                  <a:tcPr/>
+                </a:tc>
+                <a:extLst>
+                  <a:ext uri="{0D108BD9-81ED-4DB2-BD59-A6C34878D82A}">
+                    <a16:rowId xmlns:a16="http://schemas.microsoft.com/office/drawing/2014/main" val="583950654"/>
+                  </a:ext>
+                </a:extLst>
+              </a:tr>
+              <a:tr h="370840">
+                <a:tc>
+                  <a:txBody>
+                    <a:bodyPr/>
+                    <a:lstStyle/>
+                    <a:p>
+                      <a:r>
+                        <a:rPr lang="en-US" dirty="0"/>
+                        <a:t>12m24.835s</a:t>
+                      </a:r>
+                    </a:p>
+                  </a:txBody>
+                  <a:tcPr/>
+                </a:tc>
+                <a:tc>
+                  <a:txBody>
+                    <a:bodyPr/>
+                    <a:lstStyle/>
+                    <a:p>
+                      <a:r>
+                        <a:rPr lang="en-US" dirty="0"/>
+                        <a:t>2m8.916s</a:t>
+                      </a:r>
+                    </a:p>
+                  </a:txBody>
+                  <a:tcPr/>
+                </a:tc>
+                <a:extLst>
+                  <a:ext uri="{0D108BD9-81ED-4DB2-BD59-A6C34878D82A}">
+                    <a16:rowId xmlns:a16="http://schemas.microsoft.com/office/drawing/2014/main" val="1743055433"/>
+                  </a:ext>
+                </a:extLst>
+              </a:tr>
+            </a:tbl>
+          </a:graphicData>
+        </a:graphic>
+      </p:graphicFrame>
+      <p:sp>
+        <p:nvSpPr>
+          <p:cNvPr id="6" name="TextBox 5">
+            <a:extLst>
+              <a:ext uri="{FF2B5EF4-FFF2-40B4-BE49-F238E27FC236}">
+                <a16:creationId xmlns:a16="http://schemas.microsoft.com/office/drawing/2014/main" id="{E3CD9E9E-911B-BF42-95A5-9282E359B41E}"/>
+              </a:ext>
+            </a:extLst>
+          </p:cNvPr>
+          <p:cNvSpPr txBox="1"/>
+          <p:nvPr/>
+        </p:nvSpPr>
+        <p:spPr>
+          <a:xfrm>
+            <a:off x="1546476" y="4888301"/>
+            <a:ext cx="4623382" cy="369332"/>
+          </a:xfrm>
+          <a:prstGeom prst="rect">
+            <a:avLst/>
+          </a:prstGeom>
+          <a:noFill/>
+        </p:spPr>
+        <p:txBody>
+          <a:bodyPr wrap="none" rtlCol="0">
+            <a:spAutoFit/>
+          </a:bodyPr>
+          <a:lstStyle/>
+          <a:p>
+            <a:r>
+              <a:rPr lang="en-US" dirty="0"/>
+              <a:t>Chromosome 22 runtime (no threading)</a:t>
+            </a:r>
+          </a:p>
+        </p:txBody>
+      </p:sp>
+    </p:spTree>
+    <p:extLst>
+      <p:ext uri="{BB962C8B-B14F-4D97-AF65-F5344CB8AC3E}">
+        <p14:creationId xmlns:p14="http://schemas.microsoft.com/office/powerpoint/2010/main" val="604551484"/>
+      </p:ext>
+    </p:extLst>
+  </p:cSld>
+  <p:clrMapOvr>
+    <a:masterClrMapping/>
+  </p:clrMapOvr>
+</p:sld>
+</file>
+
+<file path=ppt/slides/slide5.xml><?xml version="1.0" encoding="utf-8"?>
+<p:sld xmlns:a="http://schemas.openxmlformats.org/drawingml/2006/main" xmlns:r="http://schemas.openxmlformats.org/officeDocument/2006/relationships" xmlns:p="http://schemas.openxmlformats.org/presentationml/2006/main">
+  <p:cSld>
+    <p:spTree>
+      <p:nvGrpSpPr>
+        <p:cNvPr id="1" name=""/>
+        <p:cNvGrpSpPr/>
+        <p:nvPr/>
+      </p:nvGrpSpPr>
+      <p:grpSpPr>
+        <a:xfrm>
+          <a:off x="0" y="0"/>
+          <a:ext cx="0" cy="0"/>
+          <a:chOff x="0" y="0"/>
+          <a:chExt cx="0" cy="0"/>
+        </a:xfrm>
+      </p:grpSpPr>
+      <p:pic>
+        <p:nvPicPr>
+          <p:cNvPr id="31" name="Picture 1">
+            <a:extLst>
+              <a:ext uri="{FF2B5EF4-FFF2-40B4-BE49-F238E27FC236}">
+                <a16:creationId xmlns:a16="http://schemas.microsoft.com/office/drawing/2014/main" id="{16710ADF-F223-4AD0-94D6-6E8EFFBB661F}"/>
+              </a:ext>
+            </a:extLst>
+          </p:cNvPr>
+          <p:cNvPicPr>
+            <a:picLocks noChangeAspect="1"/>
+          </p:cNvPicPr>
+          <p:nvPr/>
+        </p:nvPicPr>
+        <p:blipFill rotWithShape="1">
+          <a:blip r:embed="rId2">
+            <a:duotone>
+              <a:prstClr val="black"/>
+              <a:schemeClr val="accent5">
+                <a:tint val="45000"/>
+                <a:satMod val="400000"/>
+              </a:schemeClr>
+            </a:duotone>
+            <a:alphaModFix amt="25000"/>
+          </a:blip>
+          <a:srcRect l="2665" t="27652" r="5453" b="-1"/>
+          <a:stretch/>
+        </p:blipFill>
+        <p:spPr>
+          <a:xfrm>
+            <a:off x="474133" y="475488"/>
+            <a:ext cx="11243734" cy="5909733"/>
+          </a:xfrm>
+          <a:prstGeom prst="rect">
+            <a:avLst/>
+          </a:prstGeom>
+        </p:spPr>
+      </p:pic>
+      <p:sp>
+        <p:nvSpPr>
+          <p:cNvPr id="7" name="Title 6">
+            <a:extLst>
+              <a:ext uri="{FF2B5EF4-FFF2-40B4-BE49-F238E27FC236}">
+                <a16:creationId xmlns:a16="http://schemas.microsoft.com/office/drawing/2014/main" id="{9993EC95-4405-B945-AE37-CE29CEDA792D}"/>
+              </a:ext>
+            </a:extLst>
+          </p:cNvPr>
+          <p:cNvSpPr>
+            <a:spLocks noGrp="1"/>
+          </p:cNvSpPr>
+          <p:nvPr>
+            <p:ph type="title"/>
+          </p:nvPr>
+        </p:nvSpPr>
+        <p:spPr/>
+        <p:txBody>
+          <a:bodyPr/>
+          <a:lstStyle/>
+          <a:p>
+            <a:r>
+              <a:rPr lang="en-US" dirty="0"/>
+              <a:t>Spaced kmers for variable breakpoints</a:t>
+            </a:r>
+          </a:p>
+        </p:txBody>
+      </p:sp>
+      <p:pic>
+        <p:nvPicPr>
+          <p:cNvPr id="6" name="Content Placeholder 5" descr="Diagram&#10;&#10;Description automatically generated">
+            <a:extLst>
+              <a:ext uri="{FF2B5EF4-FFF2-40B4-BE49-F238E27FC236}">
+                <a16:creationId xmlns:a16="http://schemas.microsoft.com/office/drawing/2014/main" id="{8BFC4F60-6635-5940-A2F0-512AAD4D7DF9}"/>
+              </a:ext>
+            </a:extLst>
+          </p:cNvPr>
+          <p:cNvPicPr>
+            <a:picLocks noGrp="1" noChangeAspect="1"/>
+          </p:cNvPicPr>
+          <p:nvPr>
+            <p:ph idx="1"/>
+          </p:nvPr>
+        </p:nvPicPr>
+        <p:blipFill>
+          <a:blip r:embed="rId3"/>
+          <a:stretch>
+            <a:fillRect/>
+          </a:stretch>
+        </p:blipFill>
+        <p:spPr>
+          <a:xfrm>
+            <a:off x="1817360" y="1853923"/>
+            <a:ext cx="7436599" cy="4358007"/>
+          </a:xfrm>
+        </p:spPr>
+      </p:pic>
+    </p:spTree>
+    <p:extLst>
+      <p:ext uri="{BB962C8B-B14F-4D97-AF65-F5344CB8AC3E}">
+        <p14:creationId xmlns:p14="http://schemas.microsoft.com/office/powerpoint/2010/main" val="2170941383"/>
+      </p:ext>
+    </p:extLst>
+  </p:cSld>
+  <p:clrMapOvr>
+    <a:masterClrMapping/>
+  </p:clrMapOvr>
+</p:sld>
+</file>
+
+<file path=ppt/slides/slide6.xml><?xml version="1.0" encoding="utf-8"?>
+<p:sld xmlns:a="http://schemas.openxmlformats.org/drawingml/2006/main" xmlns:r="http://schemas.openxmlformats.org/officeDocument/2006/relationships" xmlns:p="http://schemas.openxmlformats.org/presentationml/2006/main">
+  <p:cSld>
+    <p:spTree>
+      <p:nvGrpSpPr>
+        <p:cNvPr id="1" name=""/>
+        <p:cNvGrpSpPr/>
+        <p:nvPr/>
+      </p:nvGrpSpPr>
+      <p:grpSpPr>
+        <a:xfrm>
+          <a:off x="0" y="0"/>
+          <a:ext cx="0" cy="0"/>
+          <a:chOff x="0" y="0"/>
+          <a:chExt cx="0" cy="0"/>
+        </a:xfrm>
+      </p:grpSpPr>
+      <p:pic>
+        <p:nvPicPr>
+          <p:cNvPr id="31" name="Picture 1">
+            <a:extLst>
+              <a:ext uri="{FF2B5EF4-FFF2-40B4-BE49-F238E27FC236}">
+                <a16:creationId xmlns:a16="http://schemas.microsoft.com/office/drawing/2014/main" id="{16710ADF-F223-4AD0-94D6-6E8EFFBB661F}"/>
+              </a:ext>
+            </a:extLst>
+          </p:cNvPr>
+          <p:cNvPicPr>
+            <a:picLocks noChangeAspect="1"/>
+          </p:cNvPicPr>
+          <p:nvPr/>
+        </p:nvPicPr>
+        <p:blipFill rotWithShape="1">
+          <a:blip r:embed="rId2">
+            <a:duotone>
+              <a:prstClr val="black"/>
+              <a:schemeClr val="accent5">
+                <a:tint val="45000"/>
+                <a:satMod val="400000"/>
+              </a:schemeClr>
+            </a:duotone>
+            <a:alphaModFix amt="25000"/>
+          </a:blip>
+          <a:srcRect l="2665" t="27652" r="5453" b="-1"/>
+          <a:stretch/>
+        </p:blipFill>
+        <p:spPr>
+          <a:xfrm>
+            <a:off x="474133" y="475488"/>
+            <a:ext cx="11243734" cy="5909733"/>
+          </a:xfrm>
+          <a:prstGeom prst="rect">
+            <a:avLst/>
+          </a:prstGeom>
+        </p:spPr>
+      </p:pic>
+      <p:sp>
+        <p:nvSpPr>
+          <p:cNvPr id="7" name="Title 6">
+            <a:extLst>
+              <a:ext uri="{FF2B5EF4-FFF2-40B4-BE49-F238E27FC236}">
+                <a16:creationId xmlns:a16="http://schemas.microsoft.com/office/drawing/2014/main" id="{9993EC95-4405-B945-AE37-CE29CEDA792D}"/>
+              </a:ext>
+            </a:extLst>
+          </p:cNvPr>
+          <p:cNvSpPr>
+            <a:spLocks noGrp="1"/>
+          </p:cNvSpPr>
+          <p:nvPr>
+            <p:ph type="title"/>
+          </p:nvPr>
+        </p:nvSpPr>
+        <p:spPr/>
+        <p:txBody>
+          <a:bodyPr/>
+          <a:lstStyle/>
+          <a:p>
+            <a:r>
+              <a:rPr lang="en-US" dirty="0" err="1"/>
+              <a:t>NibSV</a:t>
+            </a:r>
+            <a:r>
+              <a:rPr lang="en-US" dirty="0"/>
+              <a:t> benchmarked on HG002 CHR22</a:t>
+            </a:r>
+          </a:p>
+        </p:txBody>
+      </p:sp>
+      <p:sp>
+        <p:nvSpPr>
+          <p:cNvPr id="5" name="Content Placeholder 4">
+            <a:extLst>
+              <a:ext uri="{FF2B5EF4-FFF2-40B4-BE49-F238E27FC236}">
+                <a16:creationId xmlns:a16="http://schemas.microsoft.com/office/drawing/2014/main" id="{B40E1069-DC6C-B24F-9CE5-5BE88CB152DB}"/>
+              </a:ext>
+            </a:extLst>
+          </p:cNvPr>
+          <p:cNvSpPr>
+            <a:spLocks noGrp="1"/>
+          </p:cNvSpPr>
+          <p:nvPr>
+            <p:ph idx="1"/>
+          </p:nvPr>
+        </p:nvSpPr>
+        <p:spPr/>
+        <p:txBody>
+          <a:bodyPr>
+            <a:normAutofit fontScale="92500" lnSpcReduction="10000"/>
+          </a:bodyPr>
+          <a:lstStyle/>
+          <a:p>
+            <a:r>
+              <a:rPr lang="en-US" dirty="0"/>
+              <a:t>Use all GIAB PBSV calls for HG002 HiFi : awesome base pair accuracy</a:t>
+            </a:r>
+          </a:p>
+          <a:p>
+            <a:pPr lvl="1"/>
+            <a:r>
+              <a:rPr lang="en-US" dirty="0"/>
+              <a:t>BND,INV,DEL,INS…</a:t>
+            </a:r>
+          </a:p>
+          <a:p>
+            <a:r>
+              <a:rPr lang="en-US" dirty="0"/>
+              <a:t>Use whole reference genome</a:t>
+            </a:r>
+          </a:p>
+          <a:p>
+            <a:r>
+              <a:rPr lang="en-US" dirty="0"/>
+              <a:t>ONLY use chr22 BAM – short reads</a:t>
+            </a:r>
+          </a:p>
+          <a:p>
+            <a:r>
+              <a:rPr lang="en-US" dirty="0"/>
+              <a:t>False positive:</a:t>
+            </a:r>
+          </a:p>
+          <a:p>
+            <a:pPr lvl="1"/>
+            <a:r>
+              <a:rPr lang="en-US" dirty="0"/>
+              <a:t>A SV that </a:t>
+            </a:r>
+            <a:r>
+              <a:rPr lang="en-US" dirty="0" err="1"/>
+              <a:t>NibSV</a:t>
+            </a:r>
+            <a:r>
+              <a:rPr lang="en-US" dirty="0"/>
+              <a:t> types outside chromosome 22</a:t>
+            </a:r>
+          </a:p>
+          <a:p>
+            <a:pPr marL="457200" lvl="1" indent="0">
+              <a:buNone/>
+            </a:pPr>
+            <a:endParaRPr lang="en-US" dirty="0"/>
+          </a:p>
+          <a:p>
+            <a:r>
+              <a:rPr lang="en-US" dirty="0"/>
+              <a:t>True positive:</a:t>
+            </a:r>
+          </a:p>
+          <a:p>
+            <a:pPr lvl="1"/>
+            <a:r>
+              <a:rPr lang="en-US" dirty="0"/>
+              <a:t>A SV on chromosome 22 that </a:t>
+            </a:r>
+            <a:r>
+              <a:rPr lang="en-US" dirty="0" err="1"/>
+              <a:t>NibSV</a:t>
+            </a:r>
+            <a:r>
+              <a:rPr lang="en-US" dirty="0"/>
+              <a:t> types</a:t>
+            </a:r>
+            <a:br>
+              <a:rPr lang="en-US" dirty="0"/>
+            </a:br>
+            <a:endParaRPr lang="en-US" dirty="0"/>
+          </a:p>
+        </p:txBody>
+      </p:sp>
+    </p:spTree>
+    <p:extLst>
+      <p:ext uri="{BB962C8B-B14F-4D97-AF65-F5344CB8AC3E}">
+        <p14:creationId xmlns:p14="http://schemas.microsoft.com/office/powerpoint/2010/main" val="3265880762"/>
+      </p:ext>
+    </p:extLst>
+  </p:cSld>
+  <p:clrMapOvr>
+    <a:masterClrMapping/>
+  </p:clrMapOvr>
+</p:sld>
+</file>
+
+<file path=ppt/slides/slide7.xml><?xml version="1.0" encoding="utf-8"?>
+<p:sld xmlns:a="http://schemas.openxmlformats.org/drawingml/2006/main" xmlns:r="http://schemas.openxmlformats.org/officeDocument/2006/relationships" xmlns:p="http://schemas.openxmlformats.org/presentationml/2006/main">
+  <p:cSld>
+    <p:spTree>
+      <p:nvGrpSpPr>
+        <p:cNvPr id="1" name=""/>
+        <p:cNvGrpSpPr/>
+        <p:nvPr/>
+      </p:nvGrpSpPr>
+      <p:grpSpPr>
+        <a:xfrm>
+          <a:off x="0" y="0"/>
+          <a:ext cx="0" cy="0"/>
+          <a:chOff x="0" y="0"/>
+          <a:chExt cx="0" cy="0"/>
+        </a:xfrm>
+      </p:grpSpPr>
+      <p:pic>
+        <p:nvPicPr>
+          <p:cNvPr id="31" name="Picture 1">
+            <a:extLst>
+              <a:ext uri="{FF2B5EF4-FFF2-40B4-BE49-F238E27FC236}">
+                <a16:creationId xmlns:a16="http://schemas.microsoft.com/office/drawing/2014/main" id="{16710ADF-F223-4AD0-94D6-6E8EFFBB661F}"/>
+              </a:ext>
+            </a:extLst>
+          </p:cNvPr>
+          <p:cNvPicPr>
+            <a:picLocks noChangeAspect="1"/>
+          </p:cNvPicPr>
+          <p:nvPr/>
+        </p:nvPicPr>
+        <p:blipFill rotWithShape="1">
+          <a:blip r:embed="rId2">
+            <a:duotone>
+              <a:prstClr val="black"/>
+              <a:schemeClr val="accent5">
+                <a:tint val="45000"/>
+                <a:satMod val="400000"/>
+              </a:schemeClr>
+            </a:duotone>
+            <a:alphaModFix amt="25000"/>
+          </a:blip>
+          <a:srcRect l="2665" t="27652" r="5453" b="-1"/>
+          <a:stretch/>
+        </p:blipFill>
+        <p:spPr>
+          <a:xfrm>
+            <a:off x="474133" y="475488"/>
+            <a:ext cx="11243734" cy="5909733"/>
+          </a:xfrm>
+          <a:prstGeom prst="rect">
+            <a:avLst/>
+          </a:prstGeom>
+        </p:spPr>
+      </p:pic>
+      <p:sp>
+        <p:nvSpPr>
+          <p:cNvPr id="7" name="Title 6">
+            <a:extLst>
+              <a:ext uri="{FF2B5EF4-FFF2-40B4-BE49-F238E27FC236}">
+                <a16:creationId xmlns:a16="http://schemas.microsoft.com/office/drawing/2014/main" id="{9993EC95-4405-B945-AE37-CE29CEDA792D}"/>
+              </a:ext>
+            </a:extLst>
+          </p:cNvPr>
+          <p:cNvSpPr>
+            <a:spLocks noGrp="1"/>
+          </p:cNvSpPr>
+          <p:nvPr>
+            <p:ph type="title"/>
+          </p:nvPr>
+        </p:nvSpPr>
+        <p:spPr/>
+        <p:txBody>
+          <a:bodyPr/>
+          <a:lstStyle/>
+          <a:p>
+            <a:r>
+              <a:rPr lang="en-US" dirty="0"/>
+              <a:t>The spirit of a </a:t>
+            </a:r>
+            <a:r>
+              <a:rPr lang="en-US" dirty="0" err="1"/>
+              <a:t>hackaton</a:t>
+            </a:r>
+            <a:endParaRPr lang="en-US" dirty="0"/>
+          </a:p>
+        </p:txBody>
+      </p:sp>
+      <p:sp>
+        <p:nvSpPr>
+          <p:cNvPr id="6" name="Content Placeholder 5">
+            <a:extLst>
+              <a:ext uri="{FF2B5EF4-FFF2-40B4-BE49-F238E27FC236}">
+                <a16:creationId xmlns:a16="http://schemas.microsoft.com/office/drawing/2014/main" id="{14ED168F-B15A-9F41-9B16-00D89221D66D}"/>
+              </a:ext>
+            </a:extLst>
+          </p:cNvPr>
+          <p:cNvSpPr>
+            <a:spLocks noGrp="1"/>
+          </p:cNvSpPr>
+          <p:nvPr>
+            <p:ph sz="half" idx="2"/>
+          </p:nvPr>
+        </p:nvSpPr>
+        <p:spPr>
+          <a:xfrm>
+            <a:off x="6208712" y="2825921"/>
+            <a:ext cx="4825159" cy="3416300"/>
+          </a:xfrm>
+        </p:spPr>
+        <p:txBody>
+          <a:bodyPr/>
+          <a:lstStyle/>
+          <a:p>
+            <a:r>
+              <a:rPr lang="en-US" dirty="0"/>
+              <a:t>grep -v '#' </a:t>
+            </a:r>
+            <a:r>
+              <a:rPr lang="en-US" dirty="0" err="1"/>
+              <a:t>output.vcf</a:t>
+            </a:r>
+            <a:r>
+              <a:rPr lang="en-US" dirty="0"/>
+              <a:t> | grep READ | grep '=v1'  | </a:t>
+            </a:r>
+            <a:r>
+              <a:rPr lang="en-US" dirty="0" err="1"/>
+              <a:t>perl</a:t>
+            </a:r>
+            <a:r>
+              <a:rPr lang="en-US" dirty="0"/>
+              <a:t> -lane '$_ =~ /NIB_READ_SUPPORTS=(.*?)\s+/ ; print $_ if $1 &gt; 20' | </a:t>
+            </a:r>
+            <a:r>
+              <a:rPr lang="en-US" dirty="0" err="1"/>
+              <a:t>perl</a:t>
+            </a:r>
+            <a:r>
+              <a:rPr lang="en-US" dirty="0"/>
+              <a:t> -lane 'print $F[0]' | sort | </a:t>
+            </a:r>
+            <a:r>
+              <a:rPr lang="en-US" dirty="0" err="1"/>
+              <a:t>uniq</a:t>
+            </a:r>
+            <a:r>
+              <a:rPr lang="en-US" dirty="0"/>
+              <a:t> -c | sort -k1,1n | grep -v alt | grep -v "</a:t>
+            </a:r>
+            <a:r>
+              <a:rPr lang="en-US" dirty="0" err="1"/>
+              <a:t>chrUn</a:t>
+            </a:r>
+            <a:r>
+              <a:rPr lang="en-US" dirty="0"/>
+              <a:t>" | grep -v "random" | grep -v "chr22" | awk '{SUM += $1}END{print SUM}'</a:t>
+            </a:r>
+          </a:p>
+        </p:txBody>
+      </p:sp>
+      <p:pic>
+        <p:nvPicPr>
+          <p:cNvPr id="13" name="Content Placeholder 12" descr="A person standing in front of a computer&#10;&#10;Description automatically generated">
+            <a:extLst>
+              <a:ext uri="{FF2B5EF4-FFF2-40B4-BE49-F238E27FC236}">
+                <a16:creationId xmlns:a16="http://schemas.microsoft.com/office/drawing/2014/main" id="{A0C00C53-EC9A-354D-A1C8-A170443D03A4}"/>
+              </a:ext>
+            </a:extLst>
+          </p:cNvPr>
+          <p:cNvPicPr>
+            <a:picLocks noGrp="1" noChangeAspect="1"/>
+          </p:cNvPicPr>
+          <p:nvPr>
+            <p:ph sz="half" idx="1"/>
+          </p:nvPr>
+        </p:nvPicPr>
+        <p:blipFill>
+          <a:blip r:embed="rId3"/>
+          <a:stretch>
+            <a:fillRect/>
+          </a:stretch>
+        </p:blipFill>
+        <p:spPr>
+          <a:xfrm>
+            <a:off x="929216" y="2927340"/>
+            <a:ext cx="4824413" cy="3213463"/>
+          </a:xfrm>
+        </p:spPr>
+      </p:pic>
+      <p:sp>
+        <p:nvSpPr>
+          <p:cNvPr id="14" name="TextBox 13">
+            <a:extLst>
+              <a:ext uri="{FF2B5EF4-FFF2-40B4-BE49-F238E27FC236}">
+                <a16:creationId xmlns:a16="http://schemas.microsoft.com/office/drawing/2014/main" id="{8231C07A-A937-2F40-B98B-38E114A9ADE7}"/>
+              </a:ext>
+            </a:extLst>
+          </p:cNvPr>
+          <p:cNvSpPr txBox="1"/>
+          <p:nvPr/>
+        </p:nvSpPr>
+        <p:spPr>
+          <a:xfrm>
+            <a:off x="1488586" y="2456589"/>
+            <a:ext cx="3281668" cy="369332"/>
+          </a:xfrm>
+          <a:prstGeom prst="rect">
+            <a:avLst/>
+          </a:prstGeom>
+          <a:noFill/>
+        </p:spPr>
+        <p:txBody>
+          <a:bodyPr wrap="none" rtlCol="0">
+            <a:spAutoFit/>
+          </a:bodyPr>
+          <a:lstStyle/>
+          <a:p>
+            <a:r>
+              <a:rPr lang="en-US" b="1" dirty="0"/>
+              <a:t>Benchmarking data at 3pm</a:t>
+            </a:r>
+          </a:p>
+        </p:txBody>
+      </p:sp>
+      <p:sp>
+        <p:nvSpPr>
+          <p:cNvPr id="17" name="TextBox 16">
+            <a:extLst>
+              <a:ext uri="{FF2B5EF4-FFF2-40B4-BE49-F238E27FC236}">
+                <a16:creationId xmlns:a16="http://schemas.microsoft.com/office/drawing/2014/main" id="{D1654CF4-3E83-1840-B5ED-00782B94CD82}"/>
+              </a:ext>
+            </a:extLst>
+          </p:cNvPr>
+          <p:cNvSpPr txBox="1"/>
+          <p:nvPr/>
+        </p:nvSpPr>
+        <p:spPr>
+          <a:xfrm>
+            <a:off x="6980457" y="2456589"/>
+            <a:ext cx="3291286" cy="369332"/>
+          </a:xfrm>
+          <a:prstGeom prst="rect">
+            <a:avLst/>
+          </a:prstGeom>
+          <a:noFill/>
+        </p:spPr>
+        <p:txBody>
+          <a:bodyPr wrap="none" rtlCol="0">
+            <a:spAutoFit/>
+          </a:bodyPr>
+          <a:lstStyle/>
+          <a:p>
+            <a:r>
+              <a:rPr lang="en-US" b="1" dirty="0"/>
+              <a:t>Benchmarking data at 3AM</a:t>
+            </a:r>
+          </a:p>
+        </p:txBody>
+      </p:sp>
+      <p:sp>
+        <p:nvSpPr>
+          <p:cNvPr id="16" name="TextBox 15">
+            <a:extLst>
+              <a:ext uri="{FF2B5EF4-FFF2-40B4-BE49-F238E27FC236}">
+                <a16:creationId xmlns:a16="http://schemas.microsoft.com/office/drawing/2014/main" id="{19ABD9FD-D704-B647-A1D3-14FD7696412D}"/>
+              </a:ext>
+            </a:extLst>
+          </p:cNvPr>
+          <p:cNvSpPr txBox="1"/>
+          <p:nvPr/>
+        </p:nvSpPr>
+        <p:spPr>
+          <a:xfrm>
+            <a:off x="6980457" y="5699666"/>
+            <a:ext cx="3454792" cy="369332"/>
+          </a:xfrm>
+          <a:prstGeom prst="rect">
+            <a:avLst/>
+          </a:prstGeom>
+          <a:noFill/>
+        </p:spPr>
+        <p:txBody>
+          <a:bodyPr wrap="none" rtlCol="0">
+            <a:spAutoFit/>
+          </a:bodyPr>
+          <a:lstStyle/>
+          <a:p>
+            <a:r>
+              <a:rPr lang="en-US" b="1" dirty="0"/>
+              <a:t>I’m too old to be doing this….</a:t>
+            </a:r>
+          </a:p>
+        </p:txBody>
+      </p:sp>
+    </p:spTree>
+    <p:extLst>
+      <p:ext uri="{BB962C8B-B14F-4D97-AF65-F5344CB8AC3E}">
+        <p14:creationId xmlns:p14="http://schemas.microsoft.com/office/powerpoint/2010/main" val="3752310174"/>
+      </p:ext>
+    </p:extLst>
+  </p:cSld>
+  <p:clrMapOvr>
+    <a:masterClrMapping/>
+  </p:clrMapOvr>
+</p:sld>
+</file>
+
+<file path=ppt/slides/slide8.xml><?xml version="1.0" encoding="utf-8"?>
+<p:sld xmlns:a="http://schemas.openxmlformats.org/drawingml/2006/main" xmlns:r="http://schemas.openxmlformats.org/officeDocument/2006/relationships" xmlns:p="http://schemas.openxmlformats.org/presentationml/2006/main">
+  <p:cSld>
+    <p:spTree>
+      <p:nvGrpSpPr>
+        <p:cNvPr id="1" name=""/>
+        <p:cNvGrpSpPr/>
+        <p:nvPr/>
+      </p:nvGrpSpPr>
+      <p:grpSpPr>
+        <a:xfrm>
+          <a:off x="0" y="0"/>
+          <a:ext cx="0" cy="0"/>
+          <a:chOff x="0" y="0"/>
+          <a:chExt cx="0" cy="0"/>
+        </a:xfrm>
+      </p:grpSpPr>
+      <p:pic>
+        <p:nvPicPr>
+          <p:cNvPr id="31" name="Picture 1">
+            <a:extLst>
+              <a:ext uri="{FF2B5EF4-FFF2-40B4-BE49-F238E27FC236}">
+                <a16:creationId xmlns:a16="http://schemas.microsoft.com/office/drawing/2014/main" id="{16710ADF-F223-4AD0-94D6-6E8EFFBB661F}"/>
+              </a:ext>
+            </a:extLst>
+          </p:cNvPr>
+          <p:cNvPicPr>
+            <a:picLocks noChangeAspect="1"/>
+          </p:cNvPicPr>
+          <p:nvPr/>
+        </p:nvPicPr>
+        <p:blipFill rotWithShape="1">
+          <a:blip r:embed="rId2">
+            <a:duotone>
+              <a:prstClr val="black"/>
+              <a:schemeClr val="accent5">
+                <a:tint val="45000"/>
+                <a:satMod val="400000"/>
+              </a:schemeClr>
+            </a:duotone>
+            <a:alphaModFix amt="25000"/>
+          </a:blip>
+          <a:srcRect l="2665" t="27652" r="5453" b="-1"/>
+          <a:stretch/>
+        </p:blipFill>
+        <p:spPr>
+          <a:xfrm>
+            <a:off x="474133" y="475488"/>
+            <a:ext cx="11243734" cy="5909733"/>
+          </a:xfrm>
+          <a:prstGeom prst="rect">
+            <a:avLst/>
+          </a:prstGeom>
+        </p:spPr>
+      </p:pic>
+      <p:sp>
+        <p:nvSpPr>
+          <p:cNvPr id="7" name="Title 6">
+            <a:extLst>
+              <a:ext uri="{FF2B5EF4-FFF2-40B4-BE49-F238E27FC236}">
+                <a16:creationId xmlns:a16="http://schemas.microsoft.com/office/drawing/2014/main" id="{9993EC95-4405-B945-AE37-CE29CEDA792D}"/>
+              </a:ext>
+            </a:extLst>
+          </p:cNvPr>
+          <p:cNvSpPr>
+            <a:spLocks noGrp="1"/>
+          </p:cNvSpPr>
+          <p:nvPr>
+            <p:ph type="title"/>
+          </p:nvPr>
+        </p:nvSpPr>
+        <p:spPr>
+          <a:xfrm>
+            <a:off x="1154954" y="973668"/>
+            <a:ext cx="9712743" cy="706964"/>
+          </a:xfrm>
+        </p:spPr>
+        <p:txBody>
+          <a:bodyPr/>
+          <a:lstStyle/>
+          <a:p>
+            <a:r>
+              <a:rPr lang="en-US" dirty="0" err="1"/>
+              <a:t>NibSV</a:t>
+            </a:r>
+            <a:r>
+              <a:rPr lang="en-US" dirty="0"/>
+              <a:t> is 99% accurate (read count &gt; 20)</a:t>
+            </a:r>
+          </a:p>
+        </p:txBody>
+      </p:sp>
+      <p:graphicFrame>
+        <p:nvGraphicFramePr>
+          <p:cNvPr id="8" name="Table 8">
+            <a:extLst>
+              <a:ext uri="{FF2B5EF4-FFF2-40B4-BE49-F238E27FC236}">
+                <a16:creationId xmlns:a16="http://schemas.microsoft.com/office/drawing/2014/main" id="{865D8B93-A69E-784E-996F-25CDDB092C25}"/>
+              </a:ext>
+            </a:extLst>
+          </p:cNvPr>
+          <p:cNvGraphicFramePr>
+            <a:graphicFrameLocks noGrp="1"/>
+          </p:cNvGraphicFramePr>
+          <p:nvPr>
+            <p:extLst>
+              <p:ext uri="{D42A27DB-BD31-4B8C-83A1-F6EECF244321}">
+                <p14:modId xmlns:p14="http://schemas.microsoft.com/office/powerpoint/2010/main" val="2197483980"/>
+              </p:ext>
+            </p:extLst>
+          </p:nvPr>
+        </p:nvGraphicFramePr>
+        <p:xfrm>
+          <a:off x="2032000" y="2884798"/>
+          <a:ext cx="7648028" cy="2123440"/>
+        </p:xfrm>
+        <a:graphic>
+          <a:graphicData uri="http://schemas.openxmlformats.org/drawingml/2006/table">
+            <a:tbl>
+              <a:tblPr firstRow="1" bandRow="1">
+                <a:tableStyleId>{5C22544A-7EE6-4342-B048-85BDC9FD1C3A}</a:tableStyleId>
+              </a:tblPr>
+              <a:tblGrid>
+                <a:gridCol w="2320781">
+                  <a:extLst>
+                    <a:ext uri="{9D8B030D-6E8A-4147-A177-3AD203B41FA5}">
+                      <a16:colId xmlns:a16="http://schemas.microsoft.com/office/drawing/2014/main" val="2326209523"/>
+                    </a:ext>
+                  </a:extLst>
+                </a:gridCol>
+                <a:gridCol w="3761205">
+                  <a:extLst>
+                    <a:ext uri="{9D8B030D-6E8A-4147-A177-3AD203B41FA5}">
+                      <a16:colId xmlns:a16="http://schemas.microsoft.com/office/drawing/2014/main" val="154167048"/>
+                    </a:ext>
+                  </a:extLst>
+                </a:gridCol>
+                <a:gridCol w="1566042">
+                  <a:extLst>
+                    <a:ext uri="{9D8B030D-6E8A-4147-A177-3AD203B41FA5}">
+                      <a16:colId xmlns:a16="http://schemas.microsoft.com/office/drawing/2014/main" val="978270431"/>
+                    </a:ext>
+                  </a:extLst>
+                </a:gridCol>
+              </a:tblGrid>
+              <a:tr h="370840">
+                <a:tc>
+                  <a:txBody>
+                    <a:bodyPr/>
+                    <a:lstStyle/>
+                    <a:p>
+                      <a:r>
+                        <a:rPr lang="en-US" dirty="0"/>
+                        <a:t>class</a:t>
+                      </a:r>
+                    </a:p>
+                  </a:txBody>
+                  <a:tcPr/>
+                </a:tc>
+                <a:tc>
+                  <a:txBody>
+                    <a:bodyPr/>
+                    <a:lstStyle/>
+                    <a:p>
+                      <a:r>
+                        <a:rPr lang="en-US" dirty="0"/>
+                        <a:t>Explanation </a:t>
+                      </a:r>
+                    </a:p>
+                  </a:txBody>
+                  <a:tcPr/>
+                </a:tc>
+                <a:tc>
+                  <a:txBody>
+                    <a:bodyPr/>
+                    <a:lstStyle/>
+                    <a:p>
+                      <a:r>
+                        <a:rPr lang="en-US" dirty="0"/>
+                        <a:t>Count</a:t>
+                      </a:r>
+                    </a:p>
+                  </a:txBody>
+                  <a:tcPr/>
+                </a:tc>
+                <a:extLst>
+                  <a:ext uri="{0D108BD9-81ED-4DB2-BD59-A6C34878D82A}">
+                    <a16:rowId xmlns:a16="http://schemas.microsoft.com/office/drawing/2014/main" val="1388181301"/>
+                  </a:ext>
+                </a:extLst>
+              </a:tr>
+              <a:tr h="370840">
+                <a:tc>
+                  <a:txBody>
+                    <a:bodyPr/>
+                    <a:lstStyle/>
+                    <a:p>
+                      <a:r>
+                        <a:rPr lang="en-US" dirty="0"/>
+                        <a:t>True positives</a:t>
+                      </a:r>
+                    </a:p>
+                  </a:txBody>
+                  <a:tcPr/>
+                </a:tc>
+                <a:tc>
+                  <a:txBody>
+                    <a:bodyPr/>
+                    <a:lstStyle/>
+                    <a:p>
+                      <a:r>
+                        <a:rPr lang="en-US" dirty="0"/>
+                        <a:t>Retyped in chr22 short read data</a:t>
+                      </a:r>
+                    </a:p>
+                  </a:txBody>
+                  <a:tcPr/>
+                </a:tc>
+                <a:tc>
+                  <a:txBody>
+                    <a:bodyPr/>
+                    <a:lstStyle/>
+                    <a:p>
+                      <a:r>
+                        <a:rPr lang="en-US" dirty="0"/>
+                        <a:t>1,033</a:t>
+                      </a:r>
+                    </a:p>
+                  </a:txBody>
+                  <a:tcPr/>
+                </a:tc>
+                <a:extLst>
+                  <a:ext uri="{0D108BD9-81ED-4DB2-BD59-A6C34878D82A}">
+                    <a16:rowId xmlns:a16="http://schemas.microsoft.com/office/drawing/2014/main" val="1608983406"/>
+                  </a:ext>
+                </a:extLst>
+              </a:tr>
+              <a:tr h="370840">
+                <a:tc>
+                  <a:txBody>
+                    <a:bodyPr/>
+                    <a:lstStyle/>
+                    <a:p>
+                      <a:r>
+                        <a:rPr lang="en-US" dirty="0"/>
+                        <a:t>False positives</a:t>
+                      </a:r>
+                    </a:p>
+                  </a:txBody>
+                  <a:tcPr/>
+                </a:tc>
+                <a:tc>
+                  <a:txBody>
+                    <a:bodyPr/>
+                    <a:lstStyle/>
+                    <a:p>
+                      <a:r>
+                        <a:rPr lang="en-US" dirty="0"/>
+                        <a:t>SVs typed outside chr22</a:t>
+                      </a:r>
+                    </a:p>
+                  </a:txBody>
+                  <a:tcPr/>
+                </a:tc>
+                <a:tc>
+                  <a:txBody>
+                    <a:bodyPr/>
+                    <a:lstStyle/>
+                    <a:p>
+                      <a:r>
+                        <a:rPr lang="en-US" dirty="0"/>
+                        <a:t>269</a:t>
+                      </a:r>
+                    </a:p>
+                  </a:txBody>
+                  <a:tcPr/>
+                </a:tc>
+                <a:extLst>
+                  <a:ext uri="{0D108BD9-81ED-4DB2-BD59-A6C34878D82A}">
+                    <a16:rowId xmlns:a16="http://schemas.microsoft.com/office/drawing/2014/main" val="3327652068"/>
+                  </a:ext>
+                </a:extLst>
+              </a:tr>
+              <a:tr h="370840">
+                <a:tc>
+                  <a:txBody>
+                    <a:bodyPr/>
+                    <a:lstStyle/>
+                    <a:p>
+                      <a:r>
+                        <a:rPr lang="en-US" dirty="0"/>
+                        <a:t>True negatives</a:t>
+                      </a:r>
+                    </a:p>
+                  </a:txBody>
+                  <a:tcPr/>
+                </a:tc>
+                <a:tc>
+                  <a:txBody>
+                    <a:bodyPr/>
+                    <a:lstStyle/>
+                    <a:p>
+                      <a:r>
+                        <a:rPr lang="en-US" dirty="0"/>
+                        <a:t>SVs not typed outside chr22</a:t>
+                      </a:r>
+                    </a:p>
+                  </a:txBody>
+                  <a:tcPr/>
+                </a:tc>
+                <a:tc>
+                  <a:txBody>
+                    <a:bodyPr/>
+                    <a:lstStyle/>
+                    <a:p>
+                      <a:r>
+                        <a:rPr lang="en-US" dirty="0"/>
+                        <a:t>52,429</a:t>
+                      </a:r>
+                    </a:p>
+                  </a:txBody>
+                  <a:tcPr/>
+                </a:tc>
+                <a:extLst>
+                  <a:ext uri="{0D108BD9-81ED-4DB2-BD59-A6C34878D82A}">
+                    <a16:rowId xmlns:a16="http://schemas.microsoft.com/office/drawing/2014/main" val="2871220129"/>
+                  </a:ext>
+                </a:extLst>
+              </a:tr>
+              <a:tr h="370840">
+                <a:tc>
+                  <a:txBody>
+                    <a:bodyPr/>
+                    <a:lstStyle/>
+                    <a:p>
+                      <a:r>
+                        <a:rPr lang="en-US" dirty="0"/>
+                        <a:t>False negatives</a:t>
+                      </a:r>
+                    </a:p>
+                  </a:txBody>
+                  <a:tcPr/>
+                </a:tc>
+                <a:tc>
+                  <a:txBody>
+                    <a:bodyPr/>
+                    <a:lstStyle/>
+                    <a:p>
+                      <a:r>
+                        <a:rPr lang="en-US" dirty="0"/>
+                        <a:t>SVs not typed on chr22</a:t>
+                      </a:r>
+                    </a:p>
+                  </a:txBody>
+                  <a:tcPr/>
+                </a:tc>
+                <a:tc>
+                  <a:txBody>
+                    <a:bodyPr/>
+                    <a:lstStyle/>
+                    <a:p>
+                      <a:r>
+                        <a:rPr lang="en-US" dirty="0"/>
+                        <a:t>257</a:t>
+                      </a:r>
+                    </a:p>
+                  </a:txBody>
+                  <a:tcPr/>
+                </a:tc>
+                <a:extLst>
+                  <a:ext uri="{0D108BD9-81ED-4DB2-BD59-A6C34878D82A}">
+                    <a16:rowId xmlns:a16="http://schemas.microsoft.com/office/drawing/2014/main" val="4188517354"/>
+                  </a:ext>
+                </a:extLst>
+              </a:tr>
+            </a:tbl>
+          </a:graphicData>
+        </a:graphic>
+      </p:graphicFrame>
+      <p:sp>
+        <p:nvSpPr>
+          <p:cNvPr id="9" name="Rectangle 8">
+            <a:extLst>
+              <a:ext uri="{FF2B5EF4-FFF2-40B4-BE49-F238E27FC236}">
+                <a16:creationId xmlns:a16="http://schemas.microsoft.com/office/drawing/2014/main" id="{2AF38006-D897-AF41-903B-017EEA8F3B42}"/>
+              </a:ext>
+            </a:extLst>
+          </p:cNvPr>
+          <p:cNvSpPr/>
+          <p:nvPr/>
+        </p:nvSpPr>
+        <p:spPr>
+          <a:xfrm>
+            <a:off x="2032000" y="5235064"/>
+            <a:ext cx="5315879" cy="923330"/>
+          </a:xfrm>
+          <a:prstGeom prst="rect">
+            <a:avLst/>
+          </a:prstGeom>
+        </p:spPr>
+        <p:txBody>
+          <a:bodyPr wrap="none">
+            <a:spAutoFit/>
+          </a:bodyPr>
+          <a:lstStyle/>
+          <a:p>
+            <a:r>
+              <a:rPr lang="en-US" dirty="0"/>
+              <a:t>Accuracy = (TP + TN)/(TP + TN + FP + FN) = 99%</a:t>
+            </a:r>
+          </a:p>
+          <a:p>
+            <a:r>
+              <a:rPr lang="en-US" dirty="0"/>
+              <a:t>Precision   = 79% </a:t>
+            </a:r>
+          </a:p>
+          <a:p>
+            <a:r>
+              <a:rPr lang="en-US" dirty="0"/>
+              <a:t>Recall       = 80%</a:t>
+            </a:r>
+          </a:p>
+        </p:txBody>
+      </p:sp>
+    </p:spTree>
+    <p:extLst>
+      <p:ext uri="{BB962C8B-B14F-4D97-AF65-F5344CB8AC3E}">
+        <p14:creationId xmlns:p14="http://schemas.microsoft.com/office/powerpoint/2010/main" val="1107122222"/>
+      </p:ext>
+    </p:extLst>
+  </p:cSld>
+  <p:clrMapOvr>
+    <a:masterClrMapping/>
+  </p:clrMapOvr>
+</p:sld>
+</file>
+
+<file path=ppt/slides/slide9.xml><?xml version="1.0" encoding="utf-8"?>
+<p:sld xmlns:a="http://schemas.openxmlformats.org/drawingml/2006/main" xmlns:r="http://schemas.openxmlformats.org/officeDocument/2006/relationships" xmlns:p="http://schemas.openxmlformats.org/presentationml/2006/main">
+  <p:cSld>
+    <p:spTree>
+      <p:nvGrpSpPr>
+        <p:cNvPr id="1" name=""/>
+        <p:cNvGrpSpPr/>
+        <p:nvPr/>
+      </p:nvGrpSpPr>
+      <p:grpSpPr>
+        <a:xfrm>
+          <a:off x="0" y="0"/>
+          <a:ext cx="0" cy="0"/>
+          <a:chOff x="0" y="0"/>
+          <a:chExt cx="0" cy="0"/>
+        </a:xfrm>
+      </p:grpSpPr>
+      <p:pic>
+        <p:nvPicPr>
+          <p:cNvPr id="31" name="Picture 1">
+            <a:extLst>
+              <a:ext uri="{FF2B5EF4-FFF2-40B4-BE49-F238E27FC236}">
+                <a16:creationId xmlns:a16="http://schemas.microsoft.com/office/drawing/2014/main" id="{16710ADF-F223-4AD0-94D6-6E8EFFBB661F}"/>
+              </a:ext>
+            </a:extLst>
+          </p:cNvPr>
+          <p:cNvPicPr>
+            <a:picLocks noChangeAspect="1"/>
+          </p:cNvPicPr>
+          <p:nvPr/>
+        </p:nvPicPr>
+        <p:blipFill rotWithShape="1">
+          <a:blip r:embed="rId2">
+            <a:duotone>
+              <a:prstClr val="black"/>
+              <a:schemeClr val="accent5">
+                <a:tint val="45000"/>
+                <a:satMod val="400000"/>
+              </a:schemeClr>
+            </a:duotone>
+            <a:alphaModFix amt="25000"/>
+          </a:blip>
+          <a:srcRect l="2665" t="27652" r="5453" b="-1"/>
+          <a:stretch/>
+        </p:blipFill>
+        <p:spPr>
+          <a:xfrm>
+            <a:off x="474133" y="475488"/>
+            <a:ext cx="11243734" cy="5909733"/>
+          </a:xfrm>
+          <a:prstGeom prst="rect">
+            <a:avLst/>
+          </a:prstGeom>
+        </p:spPr>
+      </p:pic>
+      <p:sp>
+        <p:nvSpPr>
+          <p:cNvPr id="7" name="Title 6">
+            <a:extLst>
+              <a:ext uri="{FF2B5EF4-FFF2-40B4-BE49-F238E27FC236}">
+                <a16:creationId xmlns:a16="http://schemas.microsoft.com/office/drawing/2014/main" id="{9993EC95-4405-B945-AE37-CE29CEDA792D}"/>
+              </a:ext>
+            </a:extLst>
+          </p:cNvPr>
+          <p:cNvSpPr>
+            <a:spLocks noGrp="1"/>
+          </p:cNvSpPr>
+          <p:nvPr>
+            <p:ph type="title"/>
+          </p:nvPr>
+        </p:nvSpPr>
+        <p:spPr/>
+        <p:txBody>
+          <a:bodyPr/>
+          <a:lstStyle/>
+          <a:p>
+            <a:r>
+              <a:rPr lang="en-US" dirty="0"/>
+              <a:t>TODOs</a:t>
+            </a:r>
+          </a:p>
+        </p:txBody>
+      </p:sp>
+      <p:sp>
+        <p:nvSpPr>
+          <p:cNvPr id="2" name="Content Placeholder 1">
+            <a:extLst>
+              <a:ext uri="{FF2B5EF4-FFF2-40B4-BE49-F238E27FC236}">
+                <a16:creationId xmlns:a16="http://schemas.microsoft.com/office/drawing/2014/main" id="{781E1E08-832C-EA4E-ADFB-11FFD18A2A41}"/>
+              </a:ext>
+            </a:extLst>
+          </p:cNvPr>
+          <p:cNvSpPr>
+            <a:spLocks noGrp="1"/>
+          </p:cNvSpPr>
+          <p:nvPr>
+            <p:ph idx="1"/>
+          </p:nvPr>
+        </p:nvSpPr>
+        <p:spPr/>
+        <p:txBody>
+          <a:bodyPr/>
+          <a:lstStyle/>
+          <a:p>
+            <a:r>
+              <a:rPr lang="en-US" dirty="0" err="1"/>
+              <a:t>NibSV</a:t>
+            </a:r>
+            <a:r>
+              <a:rPr lang="en-US" dirty="0"/>
+              <a:t> looks very promising! However, still a few things left to do</a:t>
+            </a:r>
+          </a:p>
+          <a:p>
+            <a:pPr lvl="1"/>
+            <a:r>
+              <a:rPr lang="en-US" dirty="0"/>
+              <a:t>Add genotype field</a:t>
+            </a:r>
+          </a:p>
+          <a:p>
+            <a:pPr lvl="1"/>
+            <a:r>
+              <a:rPr lang="en-US" dirty="0"/>
+              <a:t>Improve output annotation information, and verify</a:t>
+            </a:r>
+          </a:p>
+          <a:p>
+            <a:pPr lvl="1"/>
+            <a:r>
+              <a:rPr lang="en-US" dirty="0"/>
+              <a:t>More benchmarks</a:t>
+            </a:r>
+            <a:br>
+              <a:rPr lang="en-US" dirty="0"/>
+            </a:br>
+            <a:endParaRPr lang="en-US" dirty="0"/>
+          </a:p>
+        </p:txBody>
+      </p:sp>
+    </p:spTree>
+    <p:extLst>
+      <p:ext uri="{BB962C8B-B14F-4D97-AF65-F5344CB8AC3E}">
+        <p14:creationId xmlns:p14="http://schemas.microsoft.com/office/powerpoint/2010/main" val="2881421487"/>
       </p:ext>
     </p:extLst>
   </p:cSld>

--- a/multimedia/nibSV_presentation.pptx
+++ b/multimedia/nibSV_presentation.pptx
@@ -15199,7 +15199,7 @@
           <p:nvPr>
             <p:extLst>
               <p:ext uri="{D42A27DB-BD31-4B8C-83A1-F6EECF244321}">
-                <p14:modId xmlns:p14="http://schemas.microsoft.com/office/powerpoint/2010/main" val="2197483980"/>
+                <p14:modId xmlns:p14="http://schemas.microsoft.com/office/powerpoint/2010/main" val="211967256"/>
               </p:ext>
             </p:extLst>
           </p:nvPr>
@@ -15317,7 +15317,7 @@
                     <a:p>
                       <a:r>
                         <a:rPr lang="en-US" dirty="0"/>
-                        <a:t>1,033</a:t>
+                        <a:t>1,321</a:t>
                       </a:r>
                     </a:p>
                   </a:txBody>
@@ -15517,6 +15517,56 @@
           </a:p>
         </p:txBody>
       </p:sp>
+      <p:sp>
+        <p:nvSpPr>
+          <p:cNvPr id="3" name="&quot;No&quot; Symbol 2">
+            <a:extLst>
+              <a:ext uri="{FF2B5EF4-FFF2-40B4-BE49-F238E27FC236}">
+                <a16:creationId xmlns:a16="http://schemas.microsoft.com/office/drawing/2014/main" id="{C1B7B6BF-DBC2-5B45-88F5-7BA357F5FE54}"/>
+              </a:ext>
+            </a:extLst>
+          </p:cNvPr>
+          <p:cNvSpPr/>
+          <p:nvPr/>
+        </p:nvSpPr>
+        <p:spPr>
+          <a:xfrm>
+            <a:off x="4205890" y="2566733"/>
+            <a:ext cx="3300248" cy="2932386"/>
+          </a:xfrm>
+          <a:prstGeom prst="noSmoking">
+            <a:avLst/>
+          </a:prstGeom>
+        </p:spPr>
+        <p:style>
+          <a:lnRef idx="2">
+            <a:schemeClr val="accent1">
+              <a:shade val="50000"/>
+            </a:schemeClr>
+          </a:lnRef>
+          <a:fillRef idx="1">
+            <a:schemeClr val="accent1"/>
+          </a:fillRef>
+          <a:effectRef idx="0">
+            <a:schemeClr val="accent1"/>
+          </a:effectRef>
+          <a:fontRef idx="minor">
+            <a:schemeClr val="lt1"/>
+          </a:fontRef>
+        </p:style>
+        <p:txBody>
+          <a:bodyPr rtlCol="0" anchor="ctr"/>
+          <a:lstStyle/>
+          <a:p>
+            <a:pPr algn="ctr"/>
+            <a:endParaRPr lang="en-US">
+              <a:solidFill>
+                <a:schemeClr val="tx1"/>
+              </a:solidFill>
+            </a:endParaRPr>
+          </a:p>
+        </p:txBody>
+      </p:sp>
     </p:spTree>
     <p:extLst>
       <p:ext uri="{BB962C8B-B14F-4D97-AF65-F5344CB8AC3E}">
@@ -15641,6 +15691,13 @@
             <a:r>
               <a:rPr lang="en-US" dirty="0"/>
               <a:t> looks very promising! However, still a few things left to do</a:t>
+            </a:r>
+          </a:p>
+          <a:p>
+            <a:pPr lvl="1"/>
+            <a:r>
+              <a:rPr lang="en-US" dirty="0"/>
+              <a:t>Finish bug fixes</a:t>
             </a:r>
           </a:p>
           <a:p>
